--- a/Web前端.编程基础.pptx
+++ b/Web前端.编程基础.pptx
@@ -6161,7 +6161,7 @@
           <a:p>
             <a:fld id="{785F65F7-8597-4216-AFD8-0D36C902B058}" type="datetimeFigureOut">
               <a:rPr lang="zh-CN" altLang="en-US" smtClean="0"/>
-              <a:t>2016-11-17</a:t>
+              <a:t>2016-11-22</a:t>
             </a:fld>
             <a:endParaRPr lang="zh-CN" altLang="en-US"/>
           </a:p>
@@ -6327,7 +6327,7 @@
           <a:p>
             <a:fld id="{FECE6A37-13EE-4F61-B2EB-1F81C5AC5EB5}" type="datetimeFigureOut">
               <a:rPr lang="zh-CN" altLang="en-US" smtClean="0"/>
-              <a:t>2016-11-17</a:t>
+              <a:t>2016-11-22</a:t>
             </a:fld>
             <a:endParaRPr lang="zh-CN" altLang="en-US"/>
           </a:p>
@@ -9389,7 +9389,7 @@
           <a:p>
             <a:fld id="{20F43824-60C9-48EF-828E-744341DB3DC2}" type="datetime1">
               <a:rPr lang="zh-CN" altLang="en-US" smtClean="0"/>
-              <a:t>2016-11-17</a:t>
+              <a:t>2016-11-22</a:t>
             </a:fld>
             <a:endParaRPr lang="zh-CN" altLang="en-US"/>
           </a:p>
@@ -9616,7 +9616,7 @@
           <a:p>
             <a:fld id="{20F43824-60C9-48EF-828E-744341DB3DC2}" type="datetime1">
               <a:rPr lang="zh-CN" altLang="en-US" smtClean="0"/>
-              <a:t>2016-11-17</a:t>
+              <a:t>2016-11-22</a:t>
             </a:fld>
             <a:endParaRPr lang="zh-CN" altLang="en-US"/>
           </a:p>
@@ -9878,7 +9878,7 @@
           <a:p>
             <a:fld id="{C9CEF124-70FF-48FC-83FC-246CE2D9FB4F}" type="datetime1">
               <a:rPr lang="zh-CN" altLang="en-US" smtClean="0"/>
-              <a:t>2016-11-17</a:t>
+              <a:t>2016-11-22</a:t>
             </a:fld>
             <a:endParaRPr lang="zh-CN" altLang="en-US"/>
           </a:p>
@@ -10023,7 +10023,7 @@
           <a:p>
             <a:fld id="{20F43824-60C9-48EF-828E-744341DB3DC2}" type="datetime1">
               <a:rPr lang="zh-CN" altLang="en-US" smtClean="0"/>
-              <a:t>2016-11-17</a:t>
+              <a:t>2016-11-22</a:t>
             </a:fld>
             <a:endParaRPr lang="zh-CN" altLang="en-US"/>
           </a:p>
@@ -11944,7 +11944,7 @@
           <a:p>
             <a:fld id="{7A61EE2D-41F6-4B6C-9D54-606C8CCD140A}" type="datetime1">
               <a:rPr lang="zh-CN" altLang="en-US" smtClean="0"/>
-              <a:t>2016-11-17</a:t>
+              <a:t>2016-11-22</a:t>
             </a:fld>
             <a:endParaRPr lang="zh-CN" altLang="en-US"/>
           </a:p>
@@ -18419,11 +18419,7 @@
             </a:pPr>
             <a:r>
               <a:rPr lang="en-US" altLang="zh-CN"/>
-              <a:t>$ </a:t>
-            </a:r>
-            <a:r>
-              <a:rPr lang="en-US" altLang="zh-CN"/>
-              <a:t>node </a:t>
+              <a:t>$ node </a:t>
             </a:r>
             <a:r>
               <a:rPr lang="en-US" altLang="zh-CN" smtClean="0"/>
@@ -18810,7 +18806,27 @@
             </a:r>
             <a:r>
               <a:rPr lang="zh-CN" altLang="en-US" smtClean="0"/>
-              <a:t>命令 运行 代码文件</a:t>
+              <a:t>命令 </a:t>
+            </a:r>
+            <a:r>
+              <a:rPr lang="zh-CN" altLang="en-US" smtClean="0"/>
+              <a:t>运 </a:t>
+            </a:r>
+            <a:r>
+              <a:rPr lang="en-US" altLang="zh-CN" smtClean="0"/>
+              <a:t>111</a:t>
+            </a:r>
+            <a:r>
+              <a:rPr lang="zh-CN" altLang="en-US" smtClean="0"/>
+              <a:t>行 </a:t>
+            </a:r>
+            <a:r>
+              <a:rPr lang="zh-CN" altLang="en-US" smtClean="0"/>
+              <a:t>代码</a:t>
+            </a:r>
+            <a:r>
+              <a:rPr lang="zh-CN" altLang="en-US" smtClean="0"/>
+              <a:t>文件 </a:t>
             </a:r>
             <a:endParaRPr lang="zh-CN" altLang="en-US"/>
           </a:p>

--- a/Web前端.编程基础.pptx
+++ b/Web前端.编程基础.pptx
@@ -18810,15 +18810,7 @@
             </a:r>
             <a:r>
               <a:rPr lang="zh-CN" altLang="en-US" smtClean="0"/>
-              <a:t>运 </a:t>
-            </a:r>
-            <a:r>
-              <a:rPr lang="en-US" altLang="zh-CN" smtClean="0"/>
-              <a:t>111</a:t>
-            </a:r>
-            <a:r>
-              <a:rPr lang="zh-CN" altLang="en-US" smtClean="0"/>
-              <a:t>行 </a:t>
+              <a:t>运行 </a:t>
             </a:r>
             <a:r>
               <a:rPr lang="zh-CN" altLang="en-US" smtClean="0"/>
